--- a/BlackBox/shapes.pptx
+++ b/BlackBox/shapes.pptx
@@ -11,6 +11,7 @@
     <p:sldId id="260" r:id="rId5"/>
     <p:sldId id="261" r:id="rId6"/>
     <p:sldId id="262" r:id="rId7"/>
+    <p:sldId id="263" r:id="rId8"/>
   </p:sldIdLst>
   <p:sldSz cx="12192000" cy="6858000"/>
   <p:notesSz cx="6858000" cy="9144000"/>
@@ -264,7 +265,7 @@
           <a:p>
             <a:fld id="{598F2FF8-D117-4682-AEF5-710904D7B157}" type="datetimeFigureOut">
               <a:rPr lang="en-US" smtClean="0"/>
-              <a:t>2/17/2020</a:t>
+              <a:t>2/18/2020</a:t>
             </a:fld>
             <a:endParaRPr lang="en-US"/>
           </a:p>
@@ -462,7 +463,7 @@
           <a:p>
             <a:fld id="{598F2FF8-D117-4682-AEF5-710904D7B157}" type="datetimeFigureOut">
               <a:rPr lang="en-US" smtClean="0"/>
-              <a:t>2/17/2020</a:t>
+              <a:t>2/18/2020</a:t>
             </a:fld>
             <a:endParaRPr lang="en-US"/>
           </a:p>
@@ -670,7 +671,7 @@
           <a:p>
             <a:fld id="{598F2FF8-D117-4682-AEF5-710904D7B157}" type="datetimeFigureOut">
               <a:rPr lang="en-US" smtClean="0"/>
-              <a:t>2/17/2020</a:t>
+              <a:t>2/18/2020</a:t>
             </a:fld>
             <a:endParaRPr lang="en-US"/>
           </a:p>
@@ -868,7 +869,7 @@
           <a:p>
             <a:fld id="{598F2FF8-D117-4682-AEF5-710904D7B157}" type="datetimeFigureOut">
               <a:rPr lang="en-US" smtClean="0"/>
-              <a:t>2/17/2020</a:t>
+              <a:t>2/18/2020</a:t>
             </a:fld>
             <a:endParaRPr lang="en-US"/>
           </a:p>
@@ -1143,7 +1144,7 @@
           <a:p>
             <a:fld id="{598F2FF8-D117-4682-AEF5-710904D7B157}" type="datetimeFigureOut">
               <a:rPr lang="en-US" smtClean="0"/>
-              <a:t>2/17/2020</a:t>
+              <a:t>2/18/2020</a:t>
             </a:fld>
             <a:endParaRPr lang="en-US"/>
           </a:p>
@@ -1408,7 +1409,7 @@
           <a:p>
             <a:fld id="{598F2FF8-D117-4682-AEF5-710904D7B157}" type="datetimeFigureOut">
               <a:rPr lang="en-US" smtClean="0"/>
-              <a:t>2/17/2020</a:t>
+              <a:t>2/18/2020</a:t>
             </a:fld>
             <a:endParaRPr lang="en-US"/>
           </a:p>
@@ -1820,7 +1821,7 @@
           <a:p>
             <a:fld id="{598F2FF8-D117-4682-AEF5-710904D7B157}" type="datetimeFigureOut">
               <a:rPr lang="en-US" smtClean="0"/>
-              <a:t>2/17/2020</a:t>
+              <a:t>2/18/2020</a:t>
             </a:fld>
             <a:endParaRPr lang="en-US"/>
           </a:p>
@@ -1961,7 +1962,7 @@
           <a:p>
             <a:fld id="{598F2FF8-D117-4682-AEF5-710904D7B157}" type="datetimeFigureOut">
               <a:rPr lang="en-US" smtClean="0"/>
-              <a:t>2/17/2020</a:t>
+              <a:t>2/18/2020</a:t>
             </a:fld>
             <a:endParaRPr lang="en-US"/>
           </a:p>
@@ -2074,7 +2075,7 @@
           <a:p>
             <a:fld id="{598F2FF8-D117-4682-AEF5-710904D7B157}" type="datetimeFigureOut">
               <a:rPr lang="en-US" smtClean="0"/>
-              <a:t>2/17/2020</a:t>
+              <a:t>2/18/2020</a:t>
             </a:fld>
             <a:endParaRPr lang="en-US"/>
           </a:p>
@@ -2385,7 +2386,7 @@
           <a:p>
             <a:fld id="{598F2FF8-D117-4682-AEF5-710904D7B157}" type="datetimeFigureOut">
               <a:rPr lang="en-US" smtClean="0"/>
-              <a:t>2/17/2020</a:t>
+              <a:t>2/18/2020</a:t>
             </a:fld>
             <a:endParaRPr lang="en-US"/>
           </a:p>
@@ -2673,7 +2674,7 @@
           <a:p>
             <a:fld id="{598F2FF8-D117-4682-AEF5-710904D7B157}" type="datetimeFigureOut">
               <a:rPr lang="en-US" smtClean="0"/>
-              <a:t>2/17/2020</a:t>
+              <a:t>2/18/2020</a:t>
             </a:fld>
             <a:endParaRPr lang="en-US"/>
           </a:p>
@@ -2914,7 +2915,7 @@
           <a:p>
             <a:fld id="{598F2FF8-D117-4682-AEF5-710904D7B157}" type="datetimeFigureOut">
               <a:rPr lang="en-US" smtClean="0"/>
-              <a:t>2/17/2020</a:t>
+              <a:t>2/18/2020</a:t>
             </a:fld>
             <a:endParaRPr lang="en-US"/>
           </a:p>
@@ -4503,6 +4504,60 @@
           </a:prstGeom>
         </p:spPr>
       </p:pic>
+      <p:sp>
+        <p:nvSpPr>
+          <p:cNvPr id="13" name="Rectangle 12">
+            <a:extLst>
+              <a:ext uri="{FF2B5EF4-FFF2-40B4-BE49-F238E27FC236}">
+                <a16:creationId xmlns:a16="http://schemas.microsoft.com/office/drawing/2014/main" id="{7195D61A-BD43-4E8C-A818-4482A9D2D0C8}"/>
+              </a:ext>
+            </a:extLst>
+          </p:cNvPr>
+          <p:cNvSpPr/>
+          <p:nvPr/>
+        </p:nvSpPr>
+        <p:spPr>
+          <a:xfrm>
+            <a:off x="7314698" y="3356036"/>
+            <a:ext cx="1841152" cy="1841152"/>
+          </a:xfrm>
+          <a:prstGeom prst="rect">
+            <a:avLst/>
+          </a:prstGeom>
+          <a:solidFill>
+            <a:schemeClr val="tx1"/>
+          </a:solidFill>
+          <a:ln>
+            <a:solidFill>
+              <a:schemeClr val="tx1"/>
+            </a:solidFill>
+          </a:ln>
+        </p:spPr>
+        <p:style>
+          <a:lnRef idx="2">
+            <a:schemeClr val="accent1">
+              <a:shade val="50000"/>
+            </a:schemeClr>
+          </a:lnRef>
+          <a:fillRef idx="1">
+            <a:schemeClr val="accent1"/>
+          </a:fillRef>
+          <a:effectRef idx="0">
+            <a:schemeClr val="accent1"/>
+          </a:effectRef>
+          <a:fontRef idx="minor">
+            <a:schemeClr val="lt1"/>
+          </a:fontRef>
+        </p:style>
+        <p:txBody>
+          <a:bodyPr rtlCol="0" anchor="ctr"/>
+          <a:lstStyle/>
+          <a:p>
+            <a:pPr algn="ctr"/>
+            <a:endParaRPr lang="en-US"/>
+          </a:p>
+        </p:txBody>
+      </p:sp>
     </p:spTree>
     <p:extLst>
       <p:ext uri="{BB962C8B-B14F-4D97-AF65-F5344CB8AC3E}">
@@ -5693,6 +5748,726 @@
     <p:extLst>
       <p:ext uri="{BB962C8B-B14F-4D97-AF65-F5344CB8AC3E}">
         <p14:creationId xmlns:p14="http://schemas.microsoft.com/office/powerpoint/2010/main" val="766976928"/>
+      </p:ext>
+    </p:extLst>
+  </p:cSld>
+  <p:clrMapOvr>
+    <a:masterClrMapping/>
+  </p:clrMapOvr>
+</p:sld>
+</file>
+
+<file path=ppt/slides/slide7.xml><?xml version="1.0" encoding="utf-8"?>
+<p:sld xmlns:a="http://schemas.openxmlformats.org/drawingml/2006/main" xmlns:r="http://schemas.openxmlformats.org/officeDocument/2006/relationships" xmlns:p="http://schemas.openxmlformats.org/presentationml/2006/main">
+  <p:cSld>
+    <p:spTree>
+      <p:nvGrpSpPr>
+        <p:cNvPr id="1" name=""/>
+        <p:cNvGrpSpPr/>
+        <p:nvPr/>
+      </p:nvGrpSpPr>
+      <p:grpSpPr>
+        <a:xfrm>
+          <a:off x="0" y="0"/>
+          <a:ext cx="0" cy="0"/>
+          <a:chOff x="0" y="0"/>
+          <a:chExt cx="0" cy="0"/>
+        </a:xfrm>
+      </p:grpSpPr>
+      <p:sp>
+        <p:nvSpPr>
+          <p:cNvPr id="2" name="Rectangle 1">
+            <a:extLst>
+              <a:ext uri="{FF2B5EF4-FFF2-40B4-BE49-F238E27FC236}">
+                <a16:creationId xmlns:a16="http://schemas.microsoft.com/office/drawing/2014/main" id="{83FCBA4D-2896-4B00-8ED5-4F103774F47A}"/>
+              </a:ext>
+            </a:extLst>
+          </p:cNvPr>
+          <p:cNvSpPr/>
+          <p:nvPr/>
+        </p:nvSpPr>
+        <p:spPr>
+          <a:xfrm>
+            <a:off x="461394" y="536895"/>
+            <a:ext cx="889233" cy="520117"/>
+          </a:xfrm>
+          <a:prstGeom prst="rect">
+            <a:avLst/>
+          </a:prstGeom>
+          <a:solidFill>
+            <a:srgbClr val="FFCC00">
+              <a:alpha val="64000"/>
+            </a:srgbClr>
+          </a:solidFill>
+          <a:ln w="6350">
+            <a:noFill/>
+          </a:ln>
+          <a:effectLst/>
+          <a:scene3d>
+            <a:camera prst="orthographicFront"/>
+            <a:lightRig rig="threePt" dir="t"/>
+          </a:scene3d>
+          <a:sp3d extrusionH="520700">
+            <a:bevelT/>
+          </a:sp3d>
+        </p:spPr>
+        <p:style>
+          <a:lnRef idx="2">
+            <a:schemeClr val="accent1">
+              <a:shade val="50000"/>
+            </a:schemeClr>
+          </a:lnRef>
+          <a:fillRef idx="1">
+            <a:schemeClr val="accent1"/>
+          </a:fillRef>
+          <a:effectRef idx="0">
+            <a:schemeClr val="accent1"/>
+          </a:effectRef>
+          <a:fontRef idx="minor">
+            <a:schemeClr val="lt1"/>
+          </a:fontRef>
+        </p:style>
+        <p:txBody>
+          <a:bodyPr rtlCol="0" anchor="ctr"/>
+          <a:lstStyle/>
+          <a:p>
+            <a:pPr algn="ctr"/>
+            <a:r>
+              <a:rPr lang="en-US" sz="2800" b="1" dirty="0">
+                <a:solidFill>
+                  <a:schemeClr val="tx1"/>
+                </a:solidFill>
+              </a:rPr>
+              <a:t>1</a:t>
+            </a:r>
+          </a:p>
+        </p:txBody>
+      </p:sp>
+      <p:sp>
+        <p:nvSpPr>
+          <p:cNvPr id="3" name="Rectangle 2">
+            <a:extLst>
+              <a:ext uri="{FF2B5EF4-FFF2-40B4-BE49-F238E27FC236}">
+                <a16:creationId xmlns:a16="http://schemas.microsoft.com/office/drawing/2014/main" id="{069E434E-B949-4BD8-B393-7352766EEE49}"/>
+              </a:ext>
+            </a:extLst>
+          </p:cNvPr>
+          <p:cNvSpPr/>
+          <p:nvPr/>
+        </p:nvSpPr>
+        <p:spPr>
+          <a:xfrm>
+            <a:off x="1486249" y="536894"/>
+            <a:ext cx="889233" cy="520117"/>
+          </a:xfrm>
+          <a:prstGeom prst="rect">
+            <a:avLst/>
+          </a:prstGeom>
+          <a:solidFill>
+            <a:srgbClr val="FFCC00">
+              <a:alpha val="64000"/>
+            </a:srgbClr>
+          </a:solidFill>
+          <a:ln w="6350">
+            <a:noFill/>
+          </a:ln>
+          <a:effectLst/>
+          <a:scene3d>
+            <a:camera prst="orthographicFront"/>
+            <a:lightRig rig="threePt" dir="t"/>
+          </a:scene3d>
+          <a:sp3d extrusionH="520700">
+            <a:bevelT/>
+          </a:sp3d>
+        </p:spPr>
+        <p:style>
+          <a:lnRef idx="2">
+            <a:schemeClr val="accent1">
+              <a:shade val="50000"/>
+            </a:schemeClr>
+          </a:lnRef>
+          <a:fillRef idx="1">
+            <a:schemeClr val="accent1"/>
+          </a:fillRef>
+          <a:effectRef idx="0">
+            <a:schemeClr val="accent1"/>
+          </a:effectRef>
+          <a:fontRef idx="minor">
+            <a:schemeClr val="lt1"/>
+          </a:fontRef>
+        </p:style>
+        <p:txBody>
+          <a:bodyPr rtlCol="0" anchor="ctr"/>
+          <a:lstStyle/>
+          <a:p>
+            <a:pPr algn="ctr"/>
+            <a:r>
+              <a:rPr lang="en-US" sz="2800" b="1" dirty="0">
+                <a:solidFill>
+                  <a:schemeClr val="tx1"/>
+                </a:solidFill>
+              </a:rPr>
+              <a:t>2</a:t>
+            </a:r>
+          </a:p>
+        </p:txBody>
+      </p:sp>
+      <p:sp>
+        <p:nvSpPr>
+          <p:cNvPr id="4" name="Rectangle 3">
+            <a:extLst>
+              <a:ext uri="{FF2B5EF4-FFF2-40B4-BE49-F238E27FC236}">
+                <a16:creationId xmlns:a16="http://schemas.microsoft.com/office/drawing/2014/main" id="{20CA7344-550A-4961-BD6D-3BF369164636}"/>
+              </a:ext>
+            </a:extLst>
+          </p:cNvPr>
+          <p:cNvSpPr/>
+          <p:nvPr/>
+        </p:nvSpPr>
+        <p:spPr>
+          <a:xfrm>
+            <a:off x="5585669" y="536891"/>
+            <a:ext cx="889233" cy="520117"/>
+          </a:xfrm>
+          <a:prstGeom prst="rect">
+            <a:avLst/>
+          </a:prstGeom>
+          <a:solidFill>
+            <a:srgbClr val="FFCC00">
+              <a:alpha val="64000"/>
+            </a:srgbClr>
+          </a:solidFill>
+          <a:ln w="6350">
+            <a:noFill/>
+          </a:ln>
+          <a:effectLst/>
+          <a:scene3d>
+            <a:camera prst="orthographicFront"/>
+            <a:lightRig rig="threePt" dir="t"/>
+          </a:scene3d>
+          <a:sp3d extrusionH="520700">
+            <a:bevelT/>
+          </a:sp3d>
+        </p:spPr>
+        <p:style>
+          <a:lnRef idx="2">
+            <a:schemeClr val="accent1">
+              <a:shade val="50000"/>
+            </a:schemeClr>
+          </a:lnRef>
+          <a:fillRef idx="1">
+            <a:schemeClr val="accent1"/>
+          </a:fillRef>
+          <a:effectRef idx="0">
+            <a:schemeClr val="accent1"/>
+          </a:effectRef>
+          <a:fontRef idx="minor">
+            <a:schemeClr val="lt1"/>
+          </a:fontRef>
+        </p:style>
+        <p:txBody>
+          <a:bodyPr rtlCol="0" anchor="ctr"/>
+          <a:lstStyle/>
+          <a:p>
+            <a:pPr algn="ctr"/>
+            <a:r>
+              <a:rPr lang="en-US" sz="2800" b="1" dirty="0">
+                <a:solidFill>
+                  <a:schemeClr val="tx1"/>
+                </a:solidFill>
+              </a:rPr>
+              <a:t>6</a:t>
+            </a:r>
+          </a:p>
+        </p:txBody>
+      </p:sp>
+      <p:sp>
+        <p:nvSpPr>
+          <p:cNvPr id="5" name="Rectangle 4">
+            <a:extLst>
+              <a:ext uri="{FF2B5EF4-FFF2-40B4-BE49-F238E27FC236}">
+                <a16:creationId xmlns:a16="http://schemas.microsoft.com/office/drawing/2014/main" id="{08AB2BFD-78EC-46D4-8D48-C13E3D5CF33F}"/>
+              </a:ext>
+            </a:extLst>
+          </p:cNvPr>
+          <p:cNvSpPr/>
+          <p:nvPr/>
+        </p:nvSpPr>
+        <p:spPr>
+          <a:xfrm>
+            <a:off x="2511104" y="536894"/>
+            <a:ext cx="889233" cy="520117"/>
+          </a:xfrm>
+          <a:prstGeom prst="rect">
+            <a:avLst/>
+          </a:prstGeom>
+          <a:solidFill>
+            <a:srgbClr val="FFCC00">
+              <a:alpha val="64000"/>
+            </a:srgbClr>
+          </a:solidFill>
+          <a:ln w="6350">
+            <a:noFill/>
+          </a:ln>
+          <a:effectLst/>
+          <a:scene3d>
+            <a:camera prst="orthographicFront"/>
+            <a:lightRig rig="threePt" dir="t"/>
+          </a:scene3d>
+          <a:sp3d extrusionH="520700">
+            <a:bevelT/>
+          </a:sp3d>
+        </p:spPr>
+        <p:style>
+          <a:lnRef idx="2">
+            <a:schemeClr val="accent1">
+              <a:shade val="50000"/>
+            </a:schemeClr>
+          </a:lnRef>
+          <a:fillRef idx="1">
+            <a:schemeClr val="accent1"/>
+          </a:fillRef>
+          <a:effectRef idx="0">
+            <a:schemeClr val="accent1"/>
+          </a:effectRef>
+          <a:fontRef idx="minor">
+            <a:schemeClr val="lt1"/>
+          </a:fontRef>
+        </p:style>
+        <p:txBody>
+          <a:bodyPr rtlCol="0" anchor="ctr"/>
+          <a:lstStyle/>
+          <a:p>
+            <a:pPr algn="ctr"/>
+            <a:r>
+              <a:rPr lang="en-US" sz="2800" b="1" dirty="0">
+                <a:solidFill>
+                  <a:schemeClr val="tx1"/>
+                </a:solidFill>
+              </a:rPr>
+              <a:t>3</a:t>
+            </a:r>
+          </a:p>
+        </p:txBody>
+      </p:sp>
+      <p:sp>
+        <p:nvSpPr>
+          <p:cNvPr id="6" name="Rectangle 5">
+            <a:extLst>
+              <a:ext uri="{FF2B5EF4-FFF2-40B4-BE49-F238E27FC236}">
+                <a16:creationId xmlns:a16="http://schemas.microsoft.com/office/drawing/2014/main" id="{4025B844-E15A-495D-8B0A-2DB392150667}"/>
+              </a:ext>
+            </a:extLst>
+          </p:cNvPr>
+          <p:cNvSpPr/>
+          <p:nvPr/>
+        </p:nvSpPr>
+        <p:spPr>
+          <a:xfrm>
+            <a:off x="3535959" y="536893"/>
+            <a:ext cx="889233" cy="520117"/>
+          </a:xfrm>
+          <a:prstGeom prst="rect">
+            <a:avLst/>
+          </a:prstGeom>
+          <a:solidFill>
+            <a:srgbClr val="FFCC00">
+              <a:alpha val="64000"/>
+            </a:srgbClr>
+          </a:solidFill>
+          <a:ln w="6350">
+            <a:noFill/>
+          </a:ln>
+          <a:effectLst/>
+          <a:scene3d>
+            <a:camera prst="orthographicFront"/>
+            <a:lightRig rig="threePt" dir="t"/>
+          </a:scene3d>
+          <a:sp3d extrusionH="520700">
+            <a:bevelT/>
+          </a:sp3d>
+        </p:spPr>
+        <p:style>
+          <a:lnRef idx="2">
+            <a:schemeClr val="accent1">
+              <a:shade val="50000"/>
+            </a:schemeClr>
+          </a:lnRef>
+          <a:fillRef idx="1">
+            <a:schemeClr val="accent1"/>
+          </a:fillRef>
+          <a:effectRef idx="0">
+            <a:schemeClr val="accent1"/>
+          </a:effectRef>
+          <a:fontRef idx="minor">
+            <a:schemeClr val="lt1"/>
+          </a:fontRef>
+        </p:style>
+        <p:txBody>
+          <a:bodyPr rtlCol="0" anchor="ctr"/>
+          <a:lstStyle/>
+          <a:p>
+            <a:pPr algn="ctr"/>
+            <a:r>
+              <a:rPr lang="en-US" sz="2800" b="1" dirty="0">
+                <a:solidFill>
+                  <a:schemeClr val="tx1"/>
+                </a:solidFill>
+              </a:rPr>
+              <a:t>4</a:t>
+            </a:r>
+          </a:p>
+        </p:txBody>
+      </p:sp>
+      <p:sp>
+        <p:nvSpPr>
+          <p:cNvPr id="7" name="Rectangle 6">
+            <a:extLst>
+              <a:ext uri="{FF2B5EF4-FFF2-40B4-BE49-F238E27FC236}">
+                <a16:creationId xmlns:a16="http://schemas.microsoft.com/office/drawing/2014/main" id="{8B97A95A-DD8D-48B7-A261-5B343CB2F49E}"/>
+              </a:ext>
+            </a:extLst>
+          </p:cNvPr>
+          <p:cNvSpPr/>
+          <p:nvPr/>
+        </p:nvSpPr>
+        <p:spPr>
+          <a:xfrm>
+            <a:off x="4560814" y="536892"/>
+            <a:ext cx="889233" cy="520117"/>
+          </a:xfrm>
+          <a:prstGeom prst="rect">
+            <a:avLst/>
+          </a:prstGeom>
+          <a:solidFill>
+            <a:srgbClr val="FFCC00">
+              <a:alpha val="64000"/>
+            </a:srgbClr>
+          </a:solidFill>
+          <a:ln w="6350">
+            <a:noFill/>
+          </a:ln>
+          <a:effectLst/>
+          <a:scene3d>
+            <a:camera prst="orthographicFront"/>
+            <a:lightRig rig="threePt" dir="t"/>
+          </a:scene3d>
+          <a:sp3d extrusionH="520700">
+            <a:bevelT/>
+          </a:sp3d>
+        </p:spPr>
+        <p:style>
+          <a:lnRef idx="2">
+            <a:schemeClr val="accent1">
+              <a:shade val="50000"/>
+            </a:schemeClr>
+          </a:lnRef>
+          <a:fillRef idx="1">
+            <a:schemeClr val="accent1"/>
+          </a:fillRef>
+          <a:effectRef idx="0">
+            <a:schemeClr val="accent1"/>
+          </a:effectRef>
+          <a:fontRef idx="minor">
+            <a:schemeClr val="lt1"/>
+          </a:fontRef>
+        </p:style>
+        <p:txBody>
+          <a:bodyPr rtlCol="0" anchor="ctr"/>
+          <a:lstStyle/>
+          <a:p>
+            <a:pPr algn="ctr"/>
+            <a:r>
+              <a:rPr lang="en-US" sz="2800" b="1" dirty="0">
+                <a:solidFill>
+                  <a:schemeClr val="tx1"/>
+                </a:solidFill>
+              </a:rPr>
+              <a:t>5</a:t>
+            </a:r>
+          </a:p>
+        </p:txBody>
+      </p:sp>
+      <p:sp>
+        <p:nvSpPr>
+          <p:cNvPr id="8" name="Rectangle 7">
+            <a:extLst>
+              <a:ext uri="{FF2B5EF4-FFF2-40B4-BE49-F238E27FC236}">
+                <a16:creationId xmlns:a16="http://schemas.microsoft.com/office/drawing/2014/main" id="{4565AF57-A079-4A31-A526-D5AF2B199177}"/>
+              </a:ext>
+            </a:extLst>
+          </p:cNvPr>
+          <p:cNvSpPr/>
+          <p:nvPr/>
+        </p:nvSpPr>
+        <p:spPr>
+          <a:xfrm>
+            <a:off x="7635379" y="536891"/>
+            <a:ext cx="889233" cy="520117"/>
+          </a:xfrm>
+          <a:prstGeom prst="rect">
+            <a:avLst/>
+          </a:prstGeom>
+          <a:solidFill>
+            <a:srgbClr val="FFCC00">
+              <a:alpha val="64000"/>
+            </a:srgbClr>
+          </a:solidFill>
+          <a:ln w="6350">
+            <a:noFill/>
+          </a:ln>
+          <a:effectLst/>
+          <a:scene3d>
+            <a:camera prst="orthographicFront"/>
+            <a:lightRig rig="threePt" dir="t"/>
+          </a:scene3d>
+          <a:sp3d extrusionH="520700">
+            <a:bevelT/>
+          </a:sp3d>
+        </p:spPr>
+        <p:style>
+          <a:lnRef idx="2">
+            <a:schemeClr val="accent1">
+              <a:shade val="50000"/>
+            </a:schemeClr>
+          </a:lnRef>
+          <a:fillRef idx="1">
+            <a:schemeClr val="accent1"/>
+          </a:fillRef>
+          <a:effectRef idx="0">
+            <a:schemeClr val="accent1"/>
+          </a:effectRef>
+          <a:fontRef idx="minor">
+            <a:schemeClr val="lt1"/>
+          </a:fontRef>
+        </p:style>
+        <p:txBody>
+          <a:bodyPr rtlCol="0" anchor="ctr"/>
+          <a:lstStyle/>
+          <a:p>
+            <a:pPr algn="ctr"/>
+            <a:r>
+              <a:rPr lang="en-US" sz="2800" b="1" dirty="0">
+                <a:solidFill>
+                  <a:schemeClr val="tx1"/>
+                </a:solidFill>
+              </a:rPr>
+              <a:t>8</a:t>
+            </a:r>
+          </a:p>
+        </p:txBody>
+      </p:sp>
+      <p:sp>
+        <p:nvSpPr>
+          <p:cNvPr id="9" name="Rectangle 8">
+            <a:extLst>
+              <a:ext uri="{FF2B5EF4-FFF2-40B4-BE49-F238E27FC236}">
+                <a16:creationId xmlns:a16="http://schemas.microsoft.com/office/drawing/2014/main" id="{ED2A8076-7271-44E3-AA66-5A18B924B436}"/>
+              </a:ext>
+            </a:extLst>
+          </p:cNvPr>
+          <p:cNvSpPr/>
+          <p:nvPr/>
+        </p:nvSpPr>
+        <p:spPr>
+          <a:xfrm>
+            <a:off x="6610524" y="536891"/>
+            <a:ext cx="889233" cy="520117"/>
+          </a:xfrm>
+          <a:prstGeom prst="rect">
+            <a:avLst/>
+          </a:prstGeom>
+          <a:solidFill>
+            <a:srgbClr val="FFCC00">
+              <a:alpha val="64000"/>
+            </a:srgbClr>
+          </a:solidFill>
+          <a:ln w="6350">
+            <a:noFill/>
+          </a:ln>
+          <a:effectLst/>
+          <a:scene3d>
+            <a:camera prst="orthographicFront"/>
+            <a:lightRig rig="threePt" dir="t"/>
+          </a:scene3d>
+          <a:sp3d extrusionH="520700">
+            <a:bevelT/>
+          </a:sp3d>
+        </p:spPr>
+        <p:style>
+          <a:lnRef idx="2">
+            <a:schemeClr val="accent1">
+              <a:shade val="50000"/>
+            </a:schemeClr>
+          </a:lnRef>
+          <a:fillRef idx="1">
+            <a:schemeClr val="accent1"/>
+          </a:fillRef>
+          <a:effectRef idx="0">
+            <a:schemeClr val="accent1"/>
+          </a:effectRef>
+          <a:fontRef idx="minor">
+            <a:schemeClr val="lt1"/>
+          </a:fontRef>
+        </p:style>
+        <p:txBody>
+          <a:bodyPr rtlCol="0" anchor="ctr"/>
+          <a:lstStyle/>
+          <a:p>
+            <a:pPr algn="ctr"/>
+            <a:r>
+              <a:rPr lang="en-US" sz="2800" b="1" dirty="0">
+                <a:solidFill>
+                  <a:schemeClr val="tx1"/>
+                </a:solidFill>
+              </a:rPr>
+              <a:t>7</a:t>
+            </a:r>
+          </a:p>
+        </p:txBody>
+      </p:sp>
+      <p:sp>
+        <p:nvSpPr>
+          <p:cNvPr id="10" name="Rectangle 9">
+            <a:extLst>
+              <a:ext uri="{FF2B5EF4-FFF2-40B4-BE49-F238E27FC236}">
+                <a16:creationId xmlns:a16="http://schemas.microsoft.com/office/drawing/2014/main" id="{39929308-B211-4905-9C1F-61CADC4CD9E1}"/>
+              </a:ext>
+            </a:extLst>
+          </p:cNvPr>
+          <p:cNvSpPr/>
+          <p:nvPr/>
+        </p:nvSpPr>
+        <p:spPr>
+          <a:xfrm>
+            <a:off x="9680896" y="536890"/>
+            <a:ext cx="889233" cy="520117"/>
+          </a:xfrm>
+          <a:prstGeom prst="rect">
+            <a:avLst/>
+          </a:prstGeom>
+          <a:solidFill>
+            <a:srgbClr val="FFCC00">
+              <a:alpha val="64000"/>
+            </a:srgbClr>
+          </a:solidFill>
+          <a:ln w="6350">
+            <a:noFill/>
+          </a:ln>
+          <a:effectLst/>
+          <a:scene3d>
+            <a:camera prst="orthographicFront"/>
+            <a:lightRig rig="threePt" dir="t"/>
+          </a:scene3d>
+          <a:sp3d extrusionH="520700">
+            <a:bevelT/>
+          </a:sp3d>
+        </p:spPr>
+        <p:style>
+          <a:lnRef idx="2">
+            <a:schemeClr val="accent1">
+              <a:shade val="50000"/>
+            </a:schemeClr>
+          </a:lnRef>
+          <a:fillRef idx="1">
+            <a:schemeClr val="accent1"/>
+          </a:fillRef>
+          <a:effectRef idx="0">
+            <a:schemeClr val="accent1"/>
+          </a:effectRef>
+          <a:fontRef idx="minor">
+            <a:schemeClr val="lt1"/>
+          </a:fontRef>
+        </p:style>
+        <p:txBody>
+          <a:bodyPr rtlCol="0" anchor="ctr"/>
+          <a:lstStyle/>
+          <a:p>
+            <a:pPr algn="ctr"/>
+            <a:r>
+              <a:rPr lang="en-US" sz="2800" b="1" dirty="0">
+                <a:solidFill>
+                  <a:schemeClr val="tx1"/>
+                </a:solidFill>
+              </a:rPr>
+              <a:t>10</a:t>
+            </a:r>
+          </a:p>
+        </p:txBody>
+      </p:sp>
+      <p:sp>
+        <p:nvSpPr>
+          <p:cNvPr id="11" name="Rectangle 10">
+            <a:extLst>
+              <a:ext uri="{FF2B5EF4-FFF2-40B4-BE49-F238E27FC236}">
+                <a16:creationId xmlns:a16="http://schemas.microsoft.com/office/drawing/2014/main" id="{9A102A59-DE50-4673-90C4-D124D78906B7}"/>
+              </a:ext>
+            </a:extLst>
+          </p:cNvPr>
+          <p:cNvSpPr/>
+          <p:nvPr/>
+        </p:nvSpPr>
+        <p:spPr>
+          <a:xfrm>
+            <a:off x="8660234" y="536890"/>
+            <a:ext cx="889233" cy="520117"/>
+          </a:xfrm>
+          <a:prstGeom prst="rect">
+            <a:avLst/>
+          </a:prstGeom>
+          <a:solidFill>
+            <a:srgbClr val="FFCC00">
+              <a:alpha val="64000"/>
+            </a:srgbClr>
+          </a:solidFill>
+          <a:ln w="6350">
+            <a:noFill/>
+          </a:ln>
+          <a:effectLst/>
+          <a:scene3d>
+            <a:camera prst="orthographicFront"/>
+            <a:lightRig rig="threePt" dir="t"/>
+          </a:scene3d>
+          <a:sp3d extrusionH="520700">
+            <a:bevelT/>
+          </a:sp3d>
+        </p:spPr>
+        <p:style>
+          <a:lnRef idx="2">
+            <a:schemeClr val="accent1">
+              <a:shade val="50000"/>
+            </a:schemeClr>
+          </a:lnRef>
+          <a:fillRef idx="1">
+            <a:schemeClr val="accent1"/>
+          </a:fillRef>
+          <a:effectRef idx="0">
+            <a:schemeClr val="accent1"/>
+          </a:effectRef>
+          <a:fontRef idx="minor">
+            <a:schemeClr val="lt1"/>
+          </a:fontRef>
+        </p:style>
+        <p:txBody>
+          <a:bodyPr rtlCol="0" anchor="ctr"/>
+          <a:lstStyle/>
+          <a:p>
+            <a:pPr algn="ctr"/>
+            <a:r>
+              <a:rPr lang="en-US" sz="2800" b="1" dirty="0">
+                <a:solidFill>
+                  <a:schemeClr val="tx1"/>
+                </a:solidFill>
+              </a:rPr>
+              <a:t>9</a:t>
+            </a:r>
+          </a:p>
+        </p:txBody>
+      </p:sp>
+    </p:spTree>
+    <p:extLst>
+      <p:ext uri="{BB962C8B-B14F-4D97-AF65-F5344CB8AC3E}">
+        <p14:creationId xmlns:p14="http://schemas.microsoft.com/office/powerpoint/2010/main" val="2800962253"/>
       </p:ext>
     </p:extLst>
   </p:cSld>
